--- a/New Microsoft PowerPoint Presentation.pptx
+++ b/New Microsoft PowerPoint Presentation.pptx
@@ -6,6 +6,7 @@
   </p:sldMasterIdLst>
   <p:sldIdLst>
     <p:sldId id="256" r:id="rId2"/>
+    <p:sldId id="257" r:id="rId3"/>
   </p:sldIdLst>
   <p:sldSz cx="12192000" cy="6858000"/>
   <p:notesSz cx="6858000" cy="9144000"/>
@@ -106,7 +107,7 @@
   </p:defaultTextStyle>
   <p:extLst>
     <p:ext uri="{EFAFB233-063F-42B5-8137-9DF3F51BA10A}">
-      <p15:sldGuideLst xmlns:p15="http://schemas.microsoft.com/office/powerpoint/2012/main"/>
+      <p15:sldGuideLst xmlns:p15="http://schemas.microsoft.com/office/powerpoint/2012/main" xmlns=""/>
     </p:ext>
   </p:extLst>
 </p:presentation>
@@ -219,7 +220,7 @@
           <p:cNvPr id="2" name="Title 1">
             <a:extLst>
               <a:ext uri="{FF2B5EF4-FFF2-40B4-BE49-F238E27FC236}">
-                <a16:creationId xmlns:a16="http://schemas.microsoft.com/office/drawing/2014/main" id="{6765EDAE-CD52-C65B-AECE-23258297AA42}"/>
+                <a16:creationId xmlns:a16="http://schemas.microsoft.com/office/drawing/2014/main" xmlns="" id="{6765EDAE-CD52-C65B-AECE-23258297AA42}"/>
               </a:ext>
             </a:extLst>
           </p:cNvPr>
@@ -256,7 +257,7 @@
           <p:cNvPr id="3" name="Subtitle 2">
             <a:extLst>
               <a:ext uri="{FF2B5EF4-FFF2-40B4-BE49-F238E27FC236}">
-                <a16:creationId xmlns:a16="http://schemas.microsoft.com/office/drawing/2014/main" id="{2FEBEF51-7344-46FA-8EA9-7412478CFEC5}"/>
+                <a16:creationId xmlns:a16="http://schemas.microsoft.com/office/drawing/2014/main" xmlns="" id="{2FEBEF51-7344-46FA-8EA9-7412478CFEC5}"/>
               </a:ext>
             </a:extLst>
           </p:cNvPr>
@@ -326,7 +327,7 @@
           <p:cNvPr id="4" name="Date Placeholder 3">
             <a:extLst>
               <a:ext uri="{FF2B5EF4-FFF2-40B4-BE49-F238E27FC236}">
-                <a16:creationId xmlns:a16="http://schemas.microsoft.com/office/drawing/2014/main" id="{B5B0F28A-059C-E1C2-6750-AE58EF05C372}"/>
+                <a16:creationId xmlns:a16="http://schemas.microsoft.com/office/drawing/2014/main" xmlns="" id="{B5B0F28A-059C-E1C2-6750-AE58EF05C372}"/>
               </a:ext>
             </a:extLst>
           </p:cNvPr>
@@ -344,7 +345,8 @@
           <a:p>
             <a:fld id="{4862FF9E-176D-4054-BBB8-3149401C51F7}" type="datetimeFigureOut">
               <a:rPr lang="en-GB" smtClean="0"/>
-              <a:t>24/06/2025</a:t>
+              <a:pPr/>
+              <a:t>26/06/2025</a:t>
             </a:fld>
             <a:endParaRPr lang="en-GB"/>
           </a:p>
@@ -355,7 +357,7 @@
           <p:cNvPr id="5" name="Footer Placeholder 4">
             <a:extLst>
               <a:ext uri="{FF2B5EF4-FFF2-40B4-BE49-F238E27FC236}">
-                <a16:creationId xmlns:a16="http://schemas.microsoft.com/office/drawing/2014/main" id="{FE5F2E00-C1DD-4BEC-C73F-F5893829F2DF}"/>
+                <a16:creationId xmlns:a16="http://schemas.microsoft.com/office/drawing/2014/main" xmlns="" id="{FE5F2E00-C1DD-4BEC-C73F-F5893829F2DF}"/>
               </a:ext>
             </a:extLst>
           </p:cNvPr>
@@ -380,7 +382,7 @@
           <p:cNvPr id="6" name="Slide Number Placeholder 5">
             <a:extLst>
               <a:ext uri="{FF2B5EF4-FFF2-40B4-BE49-F238E27FC236}">
-                <a16:creationId xmlns:a16="http://schemas.microsoft.com/office/drawing/2014/main" id="{197AC239-5518-8DA8-62B5-99359AB6CBFB}"/>
+                <a16:creationId xmlns:a16="http://schemas.microsoft.com/office/drawing/2014/main" xmlns="" id="{197AC239-5518-8DA8-62B5-99359AB6CBFB}"/>
               </a:ext>
             </a:extLst>
           </p:cNvPr>
@@ -398,6 +400,7 @@
           <a:p>
             <a:fld id="{50C75A4D-B871-4D45-AE1D-C8659AC315E4}" type="slidenum">
               <a:rPr lang="en-GB" smtClean="0"/>
+              <a:pPr/>
               <a:t>‹#›</a:t>
             </a:fld>
             <a:endParaRPr lang="en-GB"/>
@@ -407,7 +410,7 @@
     </p:spTree>
     <p:extLst>
       <p:ext uri="{BB962C8B-B14F-4D97-AF65-F5344CB8AC3E}">
-        <p14:creationId xmlns:p14="http://schemas.microsoft.com/office/powerpoint/2010/main" val="4294660070"/>
+        <p14:creationId xmlns:p14="http://schemas.microsoft.com/office/powerpoint/2010/main" xmlns="" val="4294660070"/>
       </p:ext>
     </p:extLst>
   </p:cSld>
@@ -439,7 +442,7 @@
           <p:cNvPr id="2" name="Title 1">
             <a:extLst>
               <a:ext uri="{FF2B5EF4-FFF2-40B4-BE49-F238E27FC236}">
-                <a16:creationId xmlns:a16="http://schemas.microsoft.com/office/drawing/2014/main" id="{FE6720D1-7F8D-27AE-DD5C-B4DAFAEBBD71}"/>
+                <a16:creationId xmlns:a16="http://schemas.microsoft.com/office/drawing/2014/main" xmlns="" id="{FE6720D1-7F8D-27AE-DD5C-B4DAFAEBBD71}"/>
               </a:ext>
             </a:extLst>
           </p:cNvPr>
@@ -467,7 +470,7 @@
           <p:cNvPr id="3" name="Vertical Text Placeholder 2">
             <a:extLst>
               <a:ext uri="{FF2B5EF4-FFF2-40B4-BE49-F238E27FC236}">
-                <a16:creationId xmlns:a16="http://schemas.microsoft.com/office/drawing/2014/main" id="{CA6E05C5-8ED8-1484-1DE7-B2327EF51DD9}"/>
+                <a16:creationId xmlns:a16="http://schemas.microsoft.com/office/drawing/2014/main" xmlns="" id="{CA6E05C5-8ED8-1484-1DE7-B2327EF51DD9}"/>
               </a:ext>
             </a:extLst>
           </p:cNvPr>
@@ -524,7 +527,7 @@
           <p:cNvPr id="4" name="Date Placeholder 3">
             <a:extLst>
               <a:ext uri="{FF2B5EF4-FFF2-40B4-BE49-F238E27FC236}">
-                <a16:creationId xmlns:a16="http://schemas.microsoft.com/office/drawing/2014/main" id="{6F1D96C1-B83E-B101-1EA6-0A6EC9A73B0A}"/>
+                <a16:creationId xmlns:a16="http://schemas.microsoft.com/office/drawing/2014/main" xmlns="" id="{6F1D96C1-B83E-B101-1EA6-0A6EC9A73B0A}"/>
               </a:ext>
             </a:extLst>
           </p:cNvPr>
@@ -542,7 +545,8 @@
           <a:p>
             <a:fld id="{4862FF9E-176D-4054-BBB8-3149401C51F7}" type="datetimeFigureOut">
               <a:rPr lang="en-GB" smtClean="0"/>
-              <a:t>24/06/2025</a:t>
+              <a:pPr/>
+              <a:t>26/06/2025</a:t>
             </a:fld>
             <a:endParaRPr lang="en-GB"/>
           </a:p>
@@ -553,7 +557,7 @@
           <p:cNvPr id="5" name="Footer Placeholder 4">
             <a:extLst>
               <a:ext uri="{FF2B5EF4-FFF2-40B4-BE49-F238E27FC236}">
-                <a16:creationId xmlns:a16="http://schemas.microsoft.com/office/drawing/2014/main" id="{64CAA912-B546-3148-6B05-FA5A96AE97E0}"/>
+                <a16:creationId xmlns:a16="http://schemas.microsoft.com/office/drawing/2014/main" xmlns="" id="{64CAA912-B546-3148-6B05-FA5A96AE97E0}"/>
               </a:ext>
             </a:extLst>
           </p:cNvPr>
@@ -578,7 +582,7 @@
           <p:cNvPr id="6" name="Slide Number Placeholder 5">
             <a:extLst>
               <a:ext uri="{FF2B5EF4-FFF2-40B4-BE49-F238E27FC236}">
-                <a16:creationId xmlns:a16="http://schemas.microsoft.com/office/drawing/2014/main" id="{31DA12F0-A09E-B000-380C-7FD24E39DDDD}"/>
+                <a16:creationId xmlns:a16="http://schemas.microsoft.com/office/drawing/2014/main" xmlns="" id="{31DA12F0-A09E-B000-380C-7FD24E39DDDD}"/>
               </a:ext>
             </a:extLst>
           </p:cNvPr>
@@ -596,6 +600,7 @@
           <a:p>
             <a:fld id="{50C75A4D-B871-4D45-AE1D-C8659AC315E4}" type="slidenum">
               <a:rPr lang="en-GB" smtClean="0"/>
+              <a:pPr/>
               <a:t>‹#›</a:t>
             </a:fld>
             <a:endParaRPr lang="en-GB"/>
@@ -605,7 +610,7 @@
     </p:spTree>
     <p:extLst>
       <p:ext uri="{BB962C8B-B14F-4D97-AF65-F5344CB8AC3E}">
-        <p14:creationId xmlns:p14="http://schemas.microsoft.com/office/powerpoint/2010/main" val="928196487"/>
+        <p14:creationId xmlns:p14="http://schemas.microsoft.com/office/powerpoint/2010/main" xmlns="" val="928196487"/>
       </p:ext>
     </p:extLst>
   </p:cSld>
@@ -637,7 +642,7 @@
           <p:cNvPr id="2" name="Vertical Title 1">
             <a:extLst>
               <a:ext uri="{FF2B5EF4-FFF2-40B4-BE49-F238E27FC236}">
-                <a16:creationId xmlns:a16="http://schemas.microsoft.com/office/drawing/2014/main" id="{35202D14-AE51-BDAD-7468-1041ED965661}"/>
+                <a16:creationId xmlns:a16="http://schemas.microsoft.com/office/drawing/2014/main" xmlns="" id="{35202D14-AE51-BDAD-7468-1041ED965661}"/>
               </a:ext>
             </a:extLst>
           </p:cNvPr>
@@ -670,7 +675,7 @@
           <p:cNvPr id="3" name="Vertical Text Placeholder 2">
             <a:extLst>
               <a:ext uri="{FF2B5EF4-FFF2-40B4-BE49-F238E27FC236}">
-                <a16:creationId xmlns:a16="http://schemas.microsoft.com/office/drawing/2014/main" id="{3ECC1EE3-F3BA-E7F5-0695-50D8DAB257A1}"/>
+                <a16:creationId xmlns:a16="http://schemas.microsoft.com/office/drawing/2014/main" xmlns="" id="{3ECC1EE3-F3BA-E7F5-0695-50D8DAB257A1}"/>
               </a:ext>
             </a:extLst>
           </p:cNvPr>
@@ -732,7 +737,7 @@
           <p:cNvPr id="4" name="Date Placeholder 3">
             <a:extLst>
               <a:ext uri="{FF2B5EF4-FFF2-40B4-BE49-F238E27FC236}">
-                <a16:creationId xmlns:a16="http://schemas.microsoft.com/office/drawing/2014/main" id="{1618033B-DAFB-2F61-321C-A88A124E5BD4}"/>
+                <a16:creationId xmlns:a16="http://schemas.microsoft.com/office/drawing/2014/main" xmlns="" id="{1618033B-DAFB-2F61-321C-A88A124E5BD4}"/>
               </a:ext>
             </a:extLst>
           </p:cNvPr>
@@ -750,7 +755,8 @@
           <a:p>
             <a:fld id="{4862FF9E-176D-4054-BBB8-3149401C51F7}" type="datetimeFigureOut">
               <a:rPr lang="en-GB" smtClean="0"/>
-              <a:t>24/06/2025</a:t>
+              <a:pPr/>
+              <a:t>26/06/2025</a:t>
             </a:fld>
             <a:endParaRPr lang="en-GB"/>
           </a:p>
@@ -761,7 +767,7 @@
           <p:cNvPr id="5" name="Footer Placeholder 4">
             <a:extLst>
               <a:ext uri="{FF2B5EF4-FFF2-40B4-BE49-F238E27FC236}">
-                <a16:creationId xmlns:a16="http://schemas.microsoft.com/office/drawing/2014/main" id="{FA0DD622-C62A-D00F-9CDE-70B05976351D}"/>
+                <a16:creationId xmlns:a16="http://schemas.microsoft.com/office/drawing/2014/main" xmlns="" id="{FA0DD622-C62A-D00F-9CDE-70B05976351D}"/>
               </a:ext>
             </a:extLst>
           </p:cNvPr>
@@ -786,7 +792,7 @@
           <p:cNvPr id="6" name="Slide Number Placeholder 5">
             <a:extLst>
               <a:ext uri="{FF2B5EF4-FFF2-40B4-BE49-F238E27FC236}">
-                <a16:creationId xmlns:a16="http://schemas.microsoft.com/office/drawing/2014/main" id="{961BACBB-61E5-D904-8DFA-B7EAB96BF945}"/>
+                <a16:creationId xmlns:a16="http://schemas.microsoft.com/office/drawing/2014/main" xmlns="" id="{961BACBB-61E5-D904-8DFA-B7EAB96BF945}"/>
               </a:ext>
             </a:extLst>
           </p:cNvPr>
@@ -804,6 +810,7 @@
           <a:p>
             <a:fld id="{50C75A4D-B871-4D45-AE1D-C8659AC315E4}" type="slidenum">
               <a:rPr lang="en-GB" smtClean="0"/>
+              <a:pPr/>
               <a:t>‹#›</a:t>
             </a:fld>
             <a:endParaRPr lang="en-GB"/>
@@ -813,7 +820,7 @@
     </p:spTree>
     <p:extLst>
       <p:ext uri="{BB962C8B-B14F-4D97-AF65-F5344CB8AC3E}">
-        <p14:creationId xmlns:p14="http://schemas.microsoft.com/office/powerpoint/2010/main" val="1962347364"/>
+        <p14:creationId xmlns:p14="http://schemas.microsoft.com/office/powerpoint/2010/main" xmlns="" val="1962347364"/>
       </p:ext>
     </p:extLst>
   </p:cSld>
@@ -845,7 +852,7 @@
           <p:cNvPr id="2" name="Title 1">
             <a:extLst>
               <a:ext uri="{FF2B5EF4-FFF2-40B4-BE49-F238E27FC236}">
-                <a16:creationId xmlns:a16="http://schemas.microsoft.com/office/drawing/2014/main" id="{69310983-6F2B-C93D-F3E2-B9B7FFE87007}"/>
+                <a16:creationId xmlns:a16="http://schemas.microsoft.com/office/drawing/2014/main" xmlns="" id="{69310983-6F2B-C93D-F3E2-B9B7FFE87007}"/>
               </a:ext>
             </a:extLst>
           </p:cNvPr>
@@ -873,7 +880,7 @@
           <p:cNvPr id="3" name="Content Placeholder 2">
             <a:extLst>
               <a:ext uri="{FF2B5EF4-FFF2-40B4-BE49-F238E27FC236}">
-                <a16:creationId xmlns:a16="http://schemas.microsoft.com/office/drawing/2014/main" id="{71D7729D-AFBA-0013-8ADE-935F1D29A351}"/>
+                <a16:creationId xmlns:a16="http://schemas.microsoft.com/office/drawing/2014/main" xmlns="" id="{71D7729D-AFBA-0013-8ADE-935F1D29A351}"/>
               </a:ext>
             </a:extLst>
           </p:cNvPr>
@@ -930,7 +937,7 @@
           <p:cNvPr id="4" name="Date Placeholder 3">
             <a:extLst>
               <a:ext uri="{FF2B5EF4-FFF2-40B4-BE49-F238E27FC236}">
-                <a16:creationId xmlns:a16="http://schemas.microsoft.com/office/drawing/2014/main" id="{8BDDD648-4F07-DE43-B2FC-5D4C1E3EEE7F}"/>
+                <a16:creationId xmlns:a16="http://schemas.microsoft.com/office/drawing/2014/main" xmlns="" id="{8BDDD648-4F07-DE43-B2FC-5D4C1E3EEE7F}"/>
               </a:ext>
             </a:extLst>
           </p:cNvPr>
@@ -948,7 +955,8 @@
           <a:p>
             <a:fld id="{4862FF9E-176D-4054-BBB8-3149401C51F7}" type="datetimeFigureOut">
               <a:rPr lang="en-GB" smtClean="0"/>
-              <a:t>24/06/2025</a:t>
+              <a:pPr/>
+              <a:t>26/06/2025</a:t>
             </a:fld>
             <a:endParaRPr lang="en-GB"/>
           </a:p>
@@ -959,7 +967,7 @@
           <p:cNvPr id="5" name="Footer Placeholder 4">
             <a:extLst>
               <a:ext uri="{FF2B5EF4-FFF2-40B4-BE49-F238E27FC236}">
-                <a16:creationId xmlns:a16="http://schemas.microsoft.com/office/drawing/2014/main" id="{632C891E-50DC-B17E-2EA9-A4928AD024C6}"/>
+                <a16:creationId xmlns:a16="http://schemas.microsoft.com/office/drawing/2014/main" xmlns="" id="{632C891E-50DC-B17E-2EA9-A4928AD024C6}"/>
               </a:ext>
             </a:extLst>
           </p:cNvPr>
@@ -984,7 +992,7 @@
           <p:cNvPr id="6" name="Slide Number Placeholder 5">
             <a:extLst>
               <a:ext uri="{FF2B5EF4-FFF2-40B4-BE49-F238E27FC236}">
-                <a16:creationId xmlns:a16="http://schemas.microsoft.com/office/drawing/2014/main" id="{8FE82E92-17BE-A52B-165C-C72EDF9493F9}"/>
+                <a16:creationId xmlns:a16="http://schemas.microsoft.com/office/drawing/2014/main" xmlns="" id="{8FE82E92-17BE-A52B-165C-C72EDF9493F9}"/>
               </a:ext>
             </a:extLst>
           </p:cNvPr>
@@ -1002,6 +1010,7 @@
           <a:p>
             <a:fld id="{50C75A4D-B871-4D45-AE1D-C8659AC315E4}" type="slidenum">
               <a:rPr lang="en-GB" smtClean="0"/>
+              <a:pPr/>
               <a:t>‹#›</a:t>
             </a:fld>
             <a:endParaRPr lang="en-GB"/>
@@ -1011,7 +1020,7 @@
     </p:spTree>
     <p:extLst>
       <p:ext uri="{BB962C8B-B14F-4D97-AF65-F5344CB8AC3E}">
-        <p14:creationId xmlns:p14="http://schemas.microsoft.com/office/powerpoint/2010/main" val="2731203742"/>
+        <p14:creationId xmlns:p14="http://schemas.microsoft.com/office/powerpoint/2010/main" xmlns="" val="2731203742"/>
       </p:ext>
     </p:extLst>
   </p:cSld>
@@ -1043,7 +1052,7 @@
           <p:cNvPr id="2" name="Title 1">
             <a:extLst>
               <a:ext uri="{FF2B5EF4-FFF2-40B4-BE49-F238E27FC236}">
-                <a16:creationId xmlns:a16="http://schemas.microsoft.com/office/drawing/2014/main" id="{88CBB635-753D-9FC2-0452-B98B1A761F25}"/>
+                <a16:creationId xmlns:a16="http://schemas.microsoft.com/office/drawing/2014/main" xmlns="" id="{88CBB635-753D-9FC2-0452-B98B1A761F25}"/>
               </a:ext>
             </a:extLst>
           </p:cNvPr>
@@ -1080,7 +1089,7 @@
           <p:cNvPr id="3" name="Text Placeholder 2">
             <a:extLst>
               <a:ext uri="{FF2B5EF4-FFF2-40B4-BE49-F238E27FC236}">
-                <a16:creationId xmlns:a16="http://schemas.microsoft.com/office/drawing/2014/main" id="{B614B9F5-190B-25BE-FA7E-3350F0D9B2BB}"/>
+                <a16:creationId xmlns:a16="http://schemas.microsoft.com/office/drawing/2014/main" xmlns="" id="{B614B9F5-190B-25BE-FA7E-3350F0D9B2BB}"/>
               </a:ext>
             </a:extLst>
           </p:cNvPr>
@@ -1205,7 +1214,7 @@
           <p:cNvPr id="4" name="Date Placeholder 3">
             <a:extLst>
               <a:ext uri="{FF2B5EF4-FFF2-40B4-BE49-F238E27FC236}">
-                <a16:creationId xmlns:a16="http://schemas.microsoft.com/office/drawing/2014/main" id="{F12FC4F2-77BD-B261-B423-CE4EEC7B248D}"/>
+                <a16:creationId xmlns:a16="http://schemas.microsoft.com/office/drawing/2014/main" xmlns="" id="{F12FC4F2-77BD-B261-B423-CE4EEC7B248D}"/>
               </a:ext>
             </a:extLst>
           </p:cNvPr>
@@ -1223,7 +1232,8 @@
           <a:p>
             <a:fld id="{4862FF9E-176D-4054-BBB8-3149401C51F7}" type="datetimeFigureOut">
               <a:rPr lang="en-GB" smtClean="0"/>
-              <a:t>24/06/2025</a:t>
+              <a:pPr/>
+              <a:t>26/06/2025</a:t>
             </a:fld>
             <a:endParaRPr lang="en-GB"/>
           </a:p>
@@ -1234,7 +1244,7 @@
           <p:cNvPr id="5" name="Footer Placeholder 4">
             <a:extLst>
               <a:ext uri="{FF2B5EF4-FFF2-40B4-BE49-F238E27FC236}">
-                <a16:creationId xmlns:a16="http://schemas.microsoft.com/office/drawing/2014/main" id="{9FA9D157-C91A-39D7-14BF-C2DD8147F69B}"/>
+                <a16:creationId xmlns:a16="http://schemas.microsoft.com/office/drawing/2014/main" xmlns="" id="{9FA9D157-C91A-39D7-14BF-C2DD8147F69B}"/>
               </a:ext>
             </a:extLst>
           </p:cNvPr>
@@ -1259,7 +1269,7 @@
           <p:cNvPr id="6" name="Slide Number Placeholder 5">
             <a:extLst>
               <a:ext uri="{FF2B5EF4-FFF2-40B4-BE49-F238E27FC236}">
-                <a16:creationId xmlns:a16="http://schemas.microsoft.com/office/drawing/2014/main" id="{B4716B4A-51A3-9059-08AB-582136211378}"/>
+                <a16:creationId xmlns:a16="http://schemas.microsoft.com/office/drawing/2014/main" xmlns="" id="{B4716B4A-51A3-9059-08AB-582136211378}"/>
               </a:ext>
             </a:extLst>
           </p:cNvPr>
@@ -1277,6 +1287,7 @@
           <a:p>
             <a:fld id="{50C75A4D-B871-4D45-AE1D-C8659AC315E4}" type="slidenum">
               <a:rPr lang="en-GB" smtClean="0"/>
+              <a:pPr/>
               <a:t>‹#›</a:t>
             </a:fld>
             <a:endParaRPr lang="en-GB"/>
@@ -1286,7 +1297,7 @@
     </p:spTree>
     <p:extLst>
       <p:ext uri="{BB962C8B-B14F-4D97-AF65-F5344CB8AC3E}">
-        <p14:creationId xmlns:p14="http://schemas.microsoft.com/office/powerpoint/2010/main" val="1591260979"/>
+        <p14:creationId xmlns:p14="http://schemas.microsoft.com/office/powerpoint/2010/main" xmlns="" val="1591260979"/>
       </p:ext>
     </p:extLst>
   </p:cSld>
@@ -1318,7 +1329,7 @@
           <p:cNvPr id="2" name="Title 1">
             <a:extLst>
               <a:ext uri="{FF2B5EF4-FFF2-40B4-BE49-F238E27FC236}">
-                <a16:creationId xmlns:a16="http://schemas.microsoft.com/office/drawing/2014/main" id="{FDBF8ACC-F398-026D-F89A-7FCCE998CB6E}"/>
+                <a16:creationId xmlns:a16="http://schemas.microsoft.com/office/drawing/2014/main" xmlns="" id="{FDBF8ACC-F398-026D-F89A-7FCCE998CB6E}"/>
               </a:ext>
             </a:extLst>
           </p:cNvPr>
@@ -1346,7 +1357,7 @@
           <p:cNvPr id="3" name="Content Placeholder 2">
             <a:extLst>
               <a:ext uri="{FF2B5EF4-FFF2-40B4-BE49-F238E27FC236}">
-                <a16:creationId xmlns:a16="http://schemas.microsoft.com/office/drawing/2014/main" id="{7552F833-BFCD-13D4-C870-B90C75C1CC8D}"/>
+                <a16:creationId xmlns:a16="http://schemas.microsoft.com/office/drawing/2014/main" xmlns="" id="{7552F833-BFCD-13D4-C870-B90C75C1CC8D}"/>
               </a:ext>
             </a:extLst>
           </p:cNvPr>
@@ -1408,7 +1419,7 @@
           <p:cNvPr id="4" name="Content Placeholder 3">
             <a:extLst>
               <a:ext uri="{FF2B5EF4-FFF2-40B4-BE49-F238E27FC236}">
-                <a16:creationId xmlns:a16="http://schemas.microsoft.com/office/drawing/2014/main" id="{8517A54F-399B-D6E0-F298-A677D99F32FF}"/>
+                <a16:creationId xmlns:a16="http://schemas.microsoft.com/office/drawing/2014/main" xmlns="" id="{8517A54F-399B-D6E0-F298-A677D99F32FF}"/>
               </a:ext>
             </a:extLst>
           </p:cNvPr>
@@ -1470,7 +1481,7 @@
           <p:cNvPr id="5" name="Date Placeholder 4">
             <a:extLst>
               <a:ext uri="{FF2B5EF4-FFF2-40B4-BE49-F238E27FC236}">
-                <a16:creationId xmlns:a16="http://schemas.microsoft.com/office/drawing/2014/main" id="{65EA3D23-BCDA-28D5-AB92-265774689D52}"/>
+                <a16:creationId xmlns:a16="http://schemas.microsoft.com/office/drawing/2014/main" xmlns="" id="{65EA3D23-BCDA-28D5-AB92-265774689D52}"/>
               </a:ext>
             </a:extLst>
           </p:cNvPr>
@@ -1488,7 +1499,8 @@
           <a:p>
             <a:fld id="{4862FF9E-176D-4054-BBB8-3149401C51F7}" type="datetimeFigureOut">
               <a:rPr lang="en-GB" smtClean="0"/>
-              <a:t>24/06/2025</a:t>
+              <a:pPr/>
+              <a:t>26/06/2025</a:t>
             </a:fld>
             <a:endParaRPr lang="en-GB"/>
           </a:p>
@@ -1499,7 +1511,7 @@
           <p:cNvPr id="6" name="Footer Placeholder 5">
             <a:extLst>
               <a:ext uri="{FF2B5EF4-FFF2-40B4-BE49-F238E27FC236}">
-                <a16:creationId xmlns:a16="http://schemas.microsoft.com/office/drawing/2014/main" id="{0478CA32-ACA2-3127-BFC8-22A7F3CF293A}"/>
+                <a16:creationId xmlns:a16="http://schemas.microsoft.com/office/drawing/2014/main" xmlns="" id="{0478CA32-ACA2-3127-BFC8-22A7F3CF293A}"/>
               </a:ext>
             </a:extLst>
           </p:cNvPr>
@@ -1524,7 +1536,7 @@
           <p:cNvPr id="7" name="Slide Number Placeholder 6">
             <a:extLst>
               <a:ext uri="{FF2B5EF4-FFF2-40B4-BE49-F238E27FC236}">
-                <a16:creationId xmlns:a16="http://schemas.microsoft.com/office/drawing/2014/main" id="{70E9E385-B15B-1124-0141-649E82DF6304}"/>
+                <a16:creationId xmlns:a16="http://schemas.microsoft.com/office/drawing/2014/main" xmlns="" id="{70E9E385-B15B-1124-0141-649E82DF6304}"/>
               </a:ext>
             </a:extLst>
           </p:cNvPr>
@@ -1542,6 +1554,7 @@
           <a:p>
             <a:fld id="{50C75A4D-B871-4D45-AE1D-C8659AC315E4}" type="slidenum">
               <a:rPr lang="en-GB" smtClean="0"/>
+              <a:pPr/>
               <a:t>‹#›</a:t>
             </a:fld>
             <a:endParaRPr lang="en-GB"/>
@@ -1551,7 +1564,7 @@
     </p:spTree>
     <p:extLst>
       <p:ext uri="{BB962C8B-B14F-4D97-AF65-F5344CB8AC3E}">
-        <p14:creationId xmlns:p14="http://schemas.microsoft.com/office/powerpoint/2010/main" val="2705086358"/>
+        <p14:creationId xmlns:p14="http://schemas.microsoft.com/office/powerpoint/2010/main" xmlns="" val="2705086358"/>
       </p:ext>
     </p:extLst>
   </p:cSld>
@@ -1583,7 +1596,7 @@
           <p:cNvPr id="2" name="Title 1">
             <a:extLst>
               <a:ext uri="{FF2B5EF4-FFF2-40B4-BE49-F238E27FC236}">
-                <a16:creationId xmlns:a16="http://schemas.microsoft.com/office/drawing/2014/main" id="{2BD6D298-AA91-486C-9746-5CD8465C62E4}"/>
+                <a16:creationId xmlns:a16="http://schemas.microsoft.com/office/drawing/2014/main" xmlns="" id="{2BD6D298-AA91-486C-9746-5CD8465C62E4}"/>
               </a:ext>
             </a:extLst>
           </p:cNvPr>
@@ -1616,7 +1629,7 @@
           <p:cNvPr id="3" name="Text Placeholder 2">
             <a:extLst>
               <a:ext uri="{FF2B5EF4-FFF2-40B4-BE49-F238E27FC236}">
-                <a16:creationId xmlns:a16="http://schemas.microsoft.com/office/drawing/2014/main" id="{CE4AB64E-4B77-8F4D-BC59-4BED0401B10B}"/>
+                <a16:creationId xmlns:a16="http://schemas.microsoft.com/office/drawing/2014/main" xmlns="" id="{CE4AB64E-4B77-8F4D-BC59-4BED0401B10B}"/>
               </a:ext>
             </a:extLst>
           </p:cNvPr>
@@ -1687,7 +1700,7 @@
           <p:cNvPr id="4" name="Content Placeholder 3">
             <a:extLst>
               <a:ext uri="{FF2B5EF4-FFF2-40B4-BE49-F238E27FC236}">
-                <a16:creationId xmlns:a16="http://schemas.microsoft.com/office/drawing/2014/main" id="{66D2B900-DC35-4401-E7B4-7185ABF7B69F}"/>
+                <a16:creationId xmlns:a16="http://schemas.microsoft.com/office/drawing/2014/main" xmlns="" id="{66D2B900-DC35-4401-E7B4-7185ABF7B69F}"/>
               </a:ext>
             </a:extLst>
           </p:cNvPr>
@@ -1749,7 +1762,7 @@
           <p:cNvPr id="5" name="Text Placeholder 4">
             <a:extLst>
               <a:ext uri="{FF2B5EF4-FFF2-40B4-BE49-F238E27FC236}">
-                <a16:creationId xmlns:a16="http://schemas.microsoft.com/office/drawing/2014/main" id="{698C35F8-079E-0259-17D2-2CC7C7DC62AA}"/>
+                <a16:creationId xmlns:a16="http://schemas.microsoft.com/office/drawing/2014/main" xmlns="" id="{698C35F8-079E-0259-17D2-2CC7C7DC62AA}"/>
               </a:ext>
             </a:extLst>
           </p:cNvPr>
@@ -1820,7 +1833,7 @@
           <p:cNvPr id="6" name="Content Placeholder 5">
             <a:extLst>
               <a:ext uri="{FF2B5EF4-FFF2-40B4-BE49-F238E27FC236}">
-                <a16:creationId xmlns:a16="http://schemas.microsoft.com/office/drawing/2014/main" id="{A61BC6E5-DF35-4E1A-F36C-7AA5A2323C04}"/>
+                <a16:creationId xmlns:a16="http://schemas.microsoft.com/office/drawing/2014/main" xmlns="" id="{A61BC6E5-DF35-4E1A-F36C-7AA5A2323C04}"/>
               </a:ext>
             </a:extLst>
           </p:cNvPr>
@@ -1882,7 +1895,7 @@
           <p:cNvPr id="7" name="Date Placeholder 6">
             <a:extLst>
               <a:ext uri="{FF2B5EF4-FFF2-40B4-BE49-F238E27FC236}">
-                <a16:creationId xmlns:a16="http://schemas.microsoft.com/office/drawing/2014/main" id="{D981B4BC-C993-0F25-3760-DB263066F421}"/>
+                <a16:creationId xmlns:a16="http://schemas.microsoft.com/office/drawing/2014/main" xmlns="" id="{D981B4BC-C993-0F25-3760-DB263066F421}"/>
               </a:ext>
             </a:extLst>
           </p:cNvPr>
@@ -1900,7 +1913,8 @@
           <a:p>
             <a:fld id="{4862FF9E-176D-4054-BBB8-3149401C51F7}" type="datetimeFigureOut">
               <a:rPr lang="en-GB" smtClean="0"/>
-              <a:t>24/06/2025</a:t>
+              <a:pPr/>
+              <a:t>26/06/2025</a:t>
             </a:fld>
             <a:endParaRPr lang="en-GB"/>
           </a:p>
@@ -1911,7 +1925,7 @@
           <p:cNvPr id="8" name="Footer Placeholder 7">
             <a:extLst>
               <a:ext uri="{FF2B5EF4-FFF2-40B4-BE49-F238E27FC236}">
-                <a16:creationId xmlns:a16="http://schemas.microsoft.com/office/drawing/2014/main" id="{9C727661-A5BF-6055-5E66-C20B6C82B6FF}"/>
+                <a16:creationId xmlns:a16="http://schemas.microsoft.com/office/drawing/2014/main" xmlns="" id="{9C727661-A5BF-6055-5E66-C20B6C82B6FF}"/>
               </a:ext>
             </a:extLst>
           </p:cNvPr>
@@ -1936,7 +1950,7 @@
           <p:cNvPr id="9" name="Slide Number Placeholder 8">
             <a:extLst>
               <a:ext uri="{FF2B5EF4-FFF2-40B4-BE49-F238E27FC236}">
-                <a16:creationId xmlns:a16="http://schemas.microsoft.com/office/drawing/2014/main" id="{B3AC4A6C-789F-6A07-011B-A9D2C5058B54}"/>
+                <a16:creationId xmlns:a16="http://schemas.microsoft.com/office/drawing/2014/main" xmlns="" id="{B3AC4A6C-789F-6A07-011B-A9D2C5058B54}"/>
               </a:ext>
             </a:extLst>
           </p:cNvPr>
@@ -1954,6 +1968,7 @@
           <a:p>
             <a:fld id="{50C75A4D-B871-4D45-AE1D-C8659AC315E4}" type="slidenum">
               <a:rPr lang="en-GB" smtClean="0"/>
+              <a:pPr/>
               <a:t>‹#›</a:t>
             </a:fld>
             <a:endParaRPr lang="en-GB"/>
@@ -1963,7 +1978,7 @@
     </p:spTree>
     <p:extLst>
       <p:ext uri="{BB962C8B-B14F-4D97-AF65-F5344CB8AC3E}">
-        <p14:creationId xmlns:p14="http://schemas.microsoft.com/office/powerpoint/2010/main" val="2297401457"/>
+        <p14:creationId xmlns:p14="http://schemas.microsoft.com/office/powerpoint/2010/main" xmlns="" val="2297401457"/>
       </p:ext>
     </p:extLst>
   </p:cSld>
@@ -1995,7 +2010,7 @@
           <p:cNvPr id="2" name="Title 1">
             <a:extLst>
               <a:ext uri="{FF2B5EF4-FFF2-40B4-BE49-F238E27FC236}">
-                <a16:creationId xmlns:a16="http://schemas.microsoft.com/office/drawing/2014/main" id="{13503CE9-A81A-C0F2-18A8-4373F3265EAE}"/>
+                <a16:creationId xmlns:a16="http://schemas.microsoft.com/office/drawing/2014/main" xmlns="" id="{13503CE9-A81A-C0F2-18A8-4373F3265EAE}"/>
               </a:ext>
             </a:extLst>
           </p:cNvPr>
@@ -2023,7 +2038,7 @@
           <p:cNvPr id="3" name="Date Placeholder 2">
             <a:extLst>
               <a:ext uri="{FF2B5EF4-FFF2-40B4-BE49-F238E27FC236}">
-                <a16:creationId xmlns:a16="http://schemas.microsoft.com/office/drawing/2014/main" id="{7864596E-14FC-84BA-D47B-E677B7CF18D5}"/>
+                <a16:creationId xmlns:a16="http://schemas.microsoft.com/office/drawing/2014/main" xmlns="" id="{7864596E-14FC-84BA-D47B-E677B7CF18D5}"/>
               </a:ext>
             </a:extLst>
           </p:cNvPr>
@@ -2041,7 +2056,8 @@
           <a:p>
             <a:fld id="{4862FF9E-176D-4054-BBB8-3149401C51F7}" type="datetimeFigureOut">
               <a:rPr lang="en-GB" smtClean="0"/>
-              <a:t>24/06/2025</a:t>
+              <a:pPr/>
+              <a:t>26/06/2025</a:t>
             </a:fld>
             <a:endParaRPr lang="en-GB"/>
           </a:p>
@@ -2052,7 +2068,7 @@
           <p:cNvPr id="4" name="Footer Placeholder 3">
             <a:extLst>
               <a:ext uri="{FF2B5EF4-FFF2-40B4-BE49-F238E27FC236}">
-                <a16:creationId xmlns:a16="http://schemas.microsoft.com/office/drawing/2014/main" id="{D18A3DF0-0B00-C87C-4B93-0EB9853020BC}"/>
+                <a16:creationId xmlns:a16="http://schemas.microsoft.com/office/drawing/2014/main" xmlns="" id="{D18A3DF0-0B00-C87C-4B93-0EB9853020BC}"/>
               </a:ext>
             </a:extLst>
           </p:cNvPr>
@@ -2077,7 +2093,7 @@
           <p:cNvPr id="5" name="Slide Number Placeholder 4">
             <a:extLst>
               <a:ext uri="{FF2B5EF4-FFF2-40B4-BE49-F238E27FC236}">
-                <a16:creationId xmlns:a16="http://schemas.microsoft.com/office/drawing/2014/main" id="{D29A98D0-5F24-F2AF-F6DF-2FBD7DCE3EBE}"/>
+                <a16:creationId xmlns:a16="http://schemas.microsoft.com/office/drawing/2014/main" xmlns="" id="{D29A98D0-5F24-F2AF-F6DF-2FBD7DCE3EBE}"/>
               </a:ext>
             </a:extLst>
           </p:cNvPr>
@@ -2095,6 +2111,7 @@
           <a:p>
             <a:fld id="{50C75A4D-B871-4D45-AE1D-C8659AC315E4}" type="slidenum">
               <a:rPr lang="en-GB" smtClean="0"/>
+              <a:pPr/>
               <a:t>‹#›</a:t>
             </a:fld>
             <a:endParaRPr lang="en-GB"/>
@@ -2104,7 +2121,7 @@
     </p:spTree>
     <p:extLst>
       <p:ext uri="{BB962C8B-B14F-4D97-AF65-F5344CB8AC3E}">
-        <p14:creationId xmlns:p14="http://schemas.microsoft.com/office/powerpoint/2010/main" val="1313069817"/>
+        <p14:creationId xmlns:p14="http://schemas.microsoft.com/office/powerpoint/2010/main" xmlns="" val="1313069817"/>
       </p:ext>
     </p:extLst>
   </p:cSld>
@@ -2136,7 +2153,7 @@
           <p:cNvPr id="2" name="Date Placeholder 1">
             <a:extLst>
               <a:ext uri="{FF2B5EF4-FFF2-40B4-BE49-F238E27FC236}">
-                <a16:creationId xmlns:a16="http://schemas.microsoft.com/office/drawing/2014/main" id="{E02E05A4-9F87-2893-401C-9FE63C86BFCB}"/>
+                <a16:creationId xmlns:a16="http://schemas.microsoft.com/office/drawing/2014/main" xmlns="" id="{E02E05A4-9F87-2893-401C-9FE63C86BFCB}"/>
               </a:ext>
             </a:extLst>
           </p:cNvPr>
@@ -2154,7 +2171,8 @@
           <a:p>
             <a:fld id="{4862FF9E-176D-4054-BBB8-3149401C51F7}" type="datetimeFigureOut">
               <a:rPr lang="en-GB" smtClean="0"/>
-              <a:t>24/06/2025</a:t>
+              <a:pPr/>
+              <a:t>26/06/2025</a:t>
             </a:fld>
             <a:endParaRPr lang="en-GB"/>
           </a:p>
@@ -2165,7 +2183,7 @@
           <p:cNvPr id="3" name="Footer Placeholder 2">
             <a:extLst>
               <a:ext uri="{FF2B5EF4-FFF2-40B4-BE49-F238E27FC236}">
-                <a16:creationId xmlns:a16="http://schemas.microsoft.com/office/drawing/2014/main" id="{22A31D88-AB79-CCD0-343F-59D873C6D07B}"/>
+                <a16:creationId xmlns:a16="http://schemas.microsoft.com/office/drawing/2014/main" xmlns="" id="{22A31D88-AB79-CCD0-343F-59D873C6D07B}"/>
               </a:ext>
             </a:extLst>
           </p:cNvPr>
@@ -2190,7 +2208,7 @@
           <p:cNvPr id="4" name="Slide Number Placeholder 3">
             <a:extLst>
               <a:ext uri="{FF2B5EF4-FFF2-40B4-BE49-F238E27FC236}">
-                <a16:creationId xmlns:a16="http://schemas.microsoft.com/office/drawing/2014/main" id="{0C86F72A-30D5-BB09-0510-CDE6556E019F}"/>
+                <a16:creationId xmlns:a16="http://schemas.microsoft.com/office/drawing/2014/main" xmlns="" id="{0C86F72A-30D5-BB09-0510-CDE6556E019F}"/>
               </a:ext>
             </a:extLst>
           </p:cNvPr>
@@ -2208,6 +2226,7 @@
           <a:p>
             <a:fld id="{50C75A4D-B871-4D45-AE1D-C8659AC315E4}" type="slidenum">
               <a:rPr lang="en-GB" smtClean="0"/>
+              <a:pPr/>
               <a:t>‹#›</a:t>
             </a:fld>
             <a:endParaRPr lang="en-GB"/>
@@ -2217,7 +2236,7 @@
     </p:spTree>
     <p:extLst>
       <p:ext uri="{BB962C8B-B14F-4D97-AF65-F5344CB8AC3E}">
-        <p14:creationId xmlns:p14="http://schemas.microsoft.com/office/powerpoint/2010/main" val="744898343"/>
+        <p14:creationId xmlns:p14="http://schemas.microsoft.com/office/powerpoint/2010/main" xmlns="" val="744898343"/>
       </p:ext>
     </p:extLst>
   </p:cSld>
@@ -2249,7 +2268,7 @@
           <p:cNvPr id="2" name="Title 1">
             <a:extLst>
               <a:ext uri="{FF2B5EF4-FFF2-40B4-BE49-F238E27FC236}">
-                <a16:creationId xmlns:a16="http://schemas.microsoft.com/office/drawing/2014/main" id="{FA1A3D6F-E1B4-2647-4B21-F9F7DC53A905}"/>
+                <a16:creationId xmlns:a16="http://schemas.microsoft.com/office/drawing/2014/main" xmlns="" id="{FA1A3D6F-E1B4-2647-4B21-F9F7DC53A905}"/>
               </a:ext>
             </a:extLst>
           </p:cNvPr>
@@ -2286,7 +2305,7 @@
           <p:cNvPr id="3" name="Content Placeholder 2">
             <a:extLst>
               <a:ext uri="{FF2B5EF4-FFF2-40B4-BE49-F238E27FC236}">
-                <a16:creationId xmlns:a16="http://schemas.microsoft.com/office/drawing/2014/main" id="{A90CF2EE-F97F-38FA-2907-0080CBF65455}"/>
+                <a16:creationId xmlns:a16="http://schemas.microsoft.com/office/drawing/2014/main" xmlns="" id="{A90CF2EE-F97F-38FA-2907-0080CBF65455}"/>
               </a:ext>
             </a:extLst>
           </p:cNvPr>
@@ -2376,7 +2395,7 @@
           <p:cNvPr id="4" name="Text Placeholder 3">
             <a:extLst>
               <a:ext uri="{FF2B5EF4-FFF2-40B4-BE49-F238E27FC236}">
-                <a16:creationId xmlns:a16="http://schemas.microsoft.com/office/drawing/2014/main" id="{768D1482-50AC-565C-198C-84AF24CA5D7A}"/>
+                <a16:creationId xmlns:a16="http://schemas.microsoft.com/office/drawing/2014/main" xmlns="" id="{768D1482-50AC-565C-198C-84AF24CA5D7A}"/>
               </a:ext>
             </a:extLst>
           </p:cNvPr>
@@ -2447,7 +2466,7 @@
           <p:cNvPr id="5" name="Date Placeholder 4">
             <a:extLst>
               <a:ext uri="{FF2B5EF4-FFF2-40B4-BE49-F238E27FC236}">
-                <a16:creationId xmlns:a16="http://schemas.microsoft.com/office/drawing/2014/main" id="{DF00D280-8CE2-A8B7-D4F3-198D719C0BED}"/>
+                <a16:creationId xmlns:a16="http://schemas.microsoft.com/office/drawing/2014/main" xmlns="" id="{DF00D280-8CE2-A8B7-D4F3-198D719C0BED}"/>
               </a:ext>
             </a:extLst>
           </p:cNvPr>
@@ -2465,7 +2484,8 @@
           <a:p>
             <a:fld id="{4862FF9E-176D-4054-BBB8-3149401C51F7}" type="datetimeFigureOut">
               <a:rPr lang="en-GB" smtClean="0"/>
-              <a:t>24/06/2025</a:t>
+              <a:pPr/>
+              <a:t>26/06/2025</a:t>
             </a:fld>
             <a:endParaRPr lang="en-GB"/>
           </a:p>
@@ -2476,7 +2496,7 @@
           <p:cNvPr id="6" name="Footer Placeholder 5">
             <a:extLst>
               <a:ext uri="{FF2B5EF4-FFF2-40B4-BE49-F238E27FC236}">
-                <a16:creationId xmlns:a16="http://schemas.microsoft.com/office/drawing/2014/main" id="{2D35FFA5-752B-C964-B5A4-AE83B2B47D18}"/>
+                <a16:creationId xmlns:a16="http://schemas.microsoft.com/office/drawing/2014/main" xmlns="" id="{2D35FFA5-752B-C964-B5A4-AE83B2B47D18}"/>
               </a:ext>
             </a:extLst>
           </p:cNvPr>
@@ -2501,7 +2521,7 @@
           <p:cNvPr id="7" name="Slide Number Placeholder 6">
             <a:extLst>
               <a:ext uri="{FF2B5EF4-FFF2-40B4-BE49-F238E27FC236}">
-                <a16:creationId xmlns:a16="http://schemas.microsoft.com/office/drawing/2014/main" id="{7333A22B-4B54-060F-9F36-B6B0AF14070C}"/>
+                <a16:creationId xmlns:a16="http://schemas.microsoft.com/office/drawing/2014/main" xmlns="" id="{7333A22B-4B54-060F-9F36-B6B0AF14070C}"/>
               </a:ext>
             </a:extLst>
           </p:cNvPr>
@@ -2519,6 +2539,7 @@
           <a:p>
             <a:fld id="{50C75A4D-B871-4D45-AE1D-C8659AC315E4}" type="slidenum">
               <a:rPr lang="en-GB" smtClean="0"/>
+              <a:pPr/>
               <a:t>‹#›</a:t>
             </a:fld>
             <a:endParaRPr lang="en-GB"/>
@@ -2528,7 +2549,7 @@
     </p:spTree>
     <p:extLst>
       <p:ext uri="{BB962C8B-B14F-4D97-AF65-F5344CB8AC3E}">
-        <p14:creationId xmlns:p14="http://schemas.microsoft.com/office/powerpoint/2010/main" val="573995572"/>
+        <p14:creationId xmlns:p14="http://schemas.microsoft.com/office/powerpoint/2010/main" xmlns="" val="573995572"/>
       </p:ext>
     </p:extLst>
   </p:cSld>
@@ -2560,7 +2581,7 @@
           <p:cNvPr id="2" name="Title 1">
             <a:extLst>
               <a:ext uri="{FF2B5EF4-FFF2-40B4-BE49-F238E27FC236}">
-                <a16:creationId xmlns:a16="http://schemas.microsoft.com/office/drawing/2014/main" id="{27A27798-DAC6-7874-6854-47D84E453423}"/>
+                <a16:creationId xmlns:a16="http://schemas.microsoft.com/office/drawing/2014/main" xmlns="" id="{27A27798-DAC6-7874-6854-47D84E453423}"/>
               </a:ext>
             </a:extLst>
           </p:cNvPr>
@@ -2597,7 +2618,7 @@
           <p:cNvPr id="3" name="Picture Placeholder 2">
             <a:extLst>
               <a:ext uri="{FF2B5EF4-FFF2-40B4-BE49-F238E27FC236}">
-                <a16:creationId xmlns:a16="http://schemas.microsoft.com/office/drawing/2014/main" id="{DB3142F1-7CE8-D612-8923-64D4F3988CA1}"/>
+                <a16:creationId xmlns:a16="http://schemas.microsoft.com/office/drawing/2014/main" xmlns="" id="{DB3142F1-7CE8-D612-8923-64D4F3988CA1}"/>
               </a:ext>
             </a:extLst>
           </p:cNvPr>
@@ -2664,7 +2685,7 @@
           <p:cNvPr id="4" name="Text Placeholder 3">
             <a:extLst>
               <a:ext uri="{FF2B5EF4-FFF2-40B4-BE49-F238E27FC236}">
-                <a16:creationId xmlns:a16="http://schemas.microsoft.com/office/drawing/2014/main" id="{7F9FC27B-6594-38EF-B91F-DE1BC481CD68}"/>
+                <a16:creationId xmlns:a16="http://schemas.microsoft.com/office/drawing/2014/main" xmlns="" id="{7F9FC27B-6594-38EF-B91F-DE1BC481CD68}"/>
               </a:ext>
             </a:extLst>
           </p:cNvPr>
@@ -2735,7 +2756,7 @@
           <p:cNvPr id="5" name="Date Placeholder 4">
             <a:extLst>
               <a:ext uri="{FF2B5EF4-FFF2-40B4-BE49-F238E27FC236}">
-                <a16:creationId xmlns:a16="http://schemas.microsoft.com/office/drawing/2014/main" id="{B394356C-C211-2476-A906-A3339DE40F4C}"/>
+                <a16:creationId xmlns:a16="http://schemas.microsoft.com/office/drawing/2014/main" xmlns="" id="{B394356C-C211-2476-A906-A3339DE40F4C}"/>
               </a:ext>
             </a:extLst>
           </p:cNvPr>
@@ -2753,7 +2774,8 @@
           <a:p>
             <a:fld id="{4862FF9E-176D-4054-BBB8-3149401C51F7}" type="datetimeFigureOut">
               <a:rPr lang="en-GB" smtClean="0"/>
-              <a:t>24/06/2025</a:t>
+              <a:pPr/>
+              <a:t>26/06/2025</a:t>
             </a:fld>
             <a:endParaRPr lang="en-GB"/>
           </a:p>
@@ -2764,7 +2786,7 @@
           <p:cNvPr id="6" name="Footer Placeholder 5">
             <a:extLst>
               <a:ext uri="{FF2B5EF4-FFF2-40B4-BE49-F238E27FC236}">
-                <a16:creationId xmlns:a16="http://schemas.microsoft.com/office/drawing/2014/main" id="{3FA29EA5-12E9-8DFD-E149-912523390FED}"/>
+                <a16:creationId xmlns:a16="http://schemas.microsoft.com/office/drawing/2014/main" xmlns="" id="{3FA29EA5-12E9-8DFD-E149-912523390FED}"/>
               </a:ext>
             </a:extLst>
           </p:cNvPr>
@@ -2789,7 +2811,7 @@
           <p:cNvPr id="7" name="Slide Number Placeholder 6">
             <a:extLst>
               <a:ext uri="{FF2B5EF4-FFF2-40B4-BE49-F238E27FC236}">
-                <a16:creationId xmlns:a16="http://schemas.microsoft.com/office/drawing/2014/main" id="{D5AEC20B-32A4-0D9F-8654-1D7186F5A0B7}"/>
+                <a16:creationId xmlns:a16="http://schemas.microsoft.com/office/drawing/2014/main" xmlns="" id="{D5AEC20B-32A4-0D9F-8654-1D7186F5A0B7}"/>
               </a:ext>
             </a:extLst>
           </p:cNvPr>
@@ -2807,6 +2829,7 @@
           <a:p>
             <a:fld id="{50C75A4D-B871-4D45-AE1D-C8659AC315E4}" type="slidenum">
               <a:rPr lang="en-GB" smtClean="0"/>
+              <a:pPr/>
               <a:t>‹#›</a:t>
             </a:fld>
             <a:endParaRPr lang="en-GB"/>
@@ -2816,7 +2839,7 @@
     </p:spTree>
     <p:extLst>
       <p:ext uri="{BB962C8B-B14F-4D97-AF65-F5344CB8AC3E}">
-        <p14:creationId xmlns:p14="http://schemas.microsoft.com/office/powerpoint/2010/main" val="3092379805"/>
+        <p14:creationId xmlns:p14="http://schemas.microsoft.com/office/powerpoint/2010/main" xmlns="" val="3092379805"/>
       </p:ext>
     </p:extLst>
   </p:cSld>
@@ -2853,7 +2876,7 @@
           <p:cNvPr id="2" name="Title Placeholder 1">
             <a:extLst>
               <a:ext uri="{FF2B5EF4-FFF2-40B4-BE49-F238E27FC236}">
-                <a16:creationId xmlns:a16="http://schemas.microsoft.com/office/drawing/2014/main" id="{C28913E9-C644-832F-296C-03F221D551B9}"/>
+                <a16:creationId xmlns:a16="http://schemas.microsoft.com/office/drawing/2014/main" xmlns="" id="{C28913E9-C644-832F-296C-03F221D551B9}"/>
               </a:ext>
             </a:extLst>
           </p:cNvPr>
@@ -2891,7 +2914,7 @@
           <p:cNvPr id="3" name="Text Placeholder 2">
             <a:extLst>
               <a:ext uri="{FF2B5EF4-FFF2-40B4-BE49-F238E27FC236}">
-                <a16:creationId xmlns:a16="http://schemas.microsoft.com/office/drawing/2014/main" id="{49092515-8776-3B20-8A3C-E359859D20FE}"/>
+                <a16:creationId xmlns:a16="http://schemas.microsoft.com/office/drawing/2014/main" xmlns="" id="{49092515-8776-3B20-8A3C-E359859D20FE}"/>
               </a:ext>
             </a:extLst>
           </p:cNvPr>
@@ -2958,7 +2981,7 @@
           <p:cNvPr id="4" name="Date Placeholder 3">
             <a:extLst>
               <a:ext uri="{FF2B5EF4-FFF2-40B4-BE49-F238E27FC236}">
-                <a16:creationId xmlns:a16="http://schemas.microsoft.com/office/drawing/2014/main" id="{56EA874B-2B55-75E1-3AAE-B1351C51B77B}"/>
+                <a16:creationId xmlns:a16="http://schemas.microsoft.com/office/drawing/2014/main" xmlns="" id="{56EA874B-2B55-75E1-3AAE-B1351C51B77B}"/>
               </a:ext>
             </a:extLst>
           </p:cNvPr>
@@ -2994,7 +3017,8 @@
           <a:p>
             <a:fld id="{4862FF9E-176D-4054-BBB8-3149401C51F7}" type="datetimeFigureOut">
               <a:rPr lang="en-GB" smtClean="0"/>
-              <a:t>24/06/2025</a:t>
+              <a:pPr/>
+              <a:t>26/06/2025</a:t>
             </a:fld>
             <a:endParaRPr lang="en-GB"/>
           </a:p>
@@ -3005,7 +3029,7 @@
           <p:cNvPr id="5" name="Footer Placeholder 4">
             <a:extLst>
               <a:ext uri="{FF2B5EF4-FFF2-40B4-BE49-F238E27FC236}">
-                <a16:creationId xmlns:a16="http://schemas.microsoft.com/office/drawing/2014/main" id="{11E408DA-4A59-0714-E128-76A384DD7BB4}"/>
+                <a16:creationId xmlns:a16="http://schemas.microsoft.com/office/drawing/2014/main" xmlns="" id="{11E408DA-4A59-0714-E128-76A384DD7BB4}"/>
               </a:ext>
             </a:extLst>
           </p:cNvPr>
@@ -3048,7 +3072,7 @@
           <p:cNvPr id="6" name="Slide Number Placeholder 5">
             <a:extLst>
               <a:ext uri="{FF2B5EF4-FFF2-40B4-BE49-F238E27FC236}">
-                <a16:creationId xmlns:a16="http://schemas.microsoft.com/office/drawing/2014/main" id="{7C2525D6-709F-F0A7-B123-A7082403151D}"/>
+                <a16:creationId xmlns:a16="http://schemas.microsoft.com/office/drawing/2014/main" xmlns="" id="{7C2525D6-709F-F0A7-B123-A7082403151D}"/>
               </a:ext>
             </a:extLst>
           </p:cNvPr>
@@ -3084,6 +3108,7 @@
           <a:p>
             <a:fld id="{50C75A4D-B871-4D45-AE1D-C8659AC315E4}" type="slidenum">
               <a:rPr lang="en-GB" smtClean="0"/>
+              <a:pPr/>
               <a:t>‹#›</a:t>
             </a:fld>
             <a:endParaRPr lang="en-GB"/>
@@ -3095,7 +3120,7 @@
           <p:cNvPr id="8" name="TextBox 7">
             <a:extLst>
               <a:ext uri="{FF2B5EF4-FFF2-40B4-BE49-F238E27FC236}">
-                <a16:creationId xmlns:a16="http://schemas.microsoft.com/office/drawing/2014/main" id="{0AA4291E-02D9-BCA5-C14C-55E48017A1BA}"/>
+                <a16:creationId xmlns:a16="http://schemas.microsoft.com/office/drawing/2014/main" xmlns="" id="{0AA4291E-02D9-BCA5-C14C-55E48017A1BA}"/>
               </a:ext>
             </a:extLst>
           </p:cNvPr>
@@ -3103,7 +3128,7 @@
           <p:nvPr userDrawn="1">
             <p:extLst>
               <p:ext uri="{1162E1C5-73C7-4A58-AE30-91384D911F3F}">
-                <p184:classification xmlns:p184="http://schemas.microsoft.com/office/powerpoint/2018/4/main" val="hdr"/>
+                <p184:classification xmlns:p184="http://schemas.microsoft.com/office/powerpoint/2018/4/main" xmlns="" val="hdr"/>
               </p:ext>
             </p:extLst>
           </p:nvPr>
@@ -3141,7 +3166,7 @@
     </p:spTree>
     <p:extLst>
       <p:ext uri="{BB962C8B-B14F-4D97-AF65-F5344CB8AC3E}">
-        <p14:creationId xmlns:p14="http://schemas.microsoft.com/office/powerpoint/2010/main" val="3217321324"/>
+        <p14:creationId xmlns:p14="http://schemas.microsoft.com/office/powerpoint/2010/main" xmlns="" val="3217321324"/>
       </p:ext>
     </p:extLst>
   </p:cSld>
@@ -3464,7 +3489,7 @@
           <p:cNvPr id="1026" name="Picture 2" descr="Sikhism religious symbol black and ...">
             <a:extLst>
               <a:ext uri="{FF2B5EF4-FFF2-40B4-BE49-F238E27FC236}">
-                <a16:creationId xmlns:a16="http://schemas.microsoft.com/office/drawing/2014/main" id="{15FA5003-5F01-5EC3-65A8-C842686878D7}"/>
+                <a16:creationId xmlns:a16="http://schemas.microsoft.com/office/drawing/2014/main" xmlns="" id="{15FA5003-5F01-5EC3-65A8-C842686878D7}"/>
               </a:ext>
             </a:extLst>
           </p:cNvPr>
@@ -3477,7 +3502,7 @@
           <a:blip r:embed="rId2">
             <a:extLst>
               <a:ext uri="{28A0092B-C50C-407E-A947-70E740481C1C}">
-                <a14:useLocalDpi xmlns:a14="http://schemas.microsoft.com/office/drawing/2010/main" val="0"/>
+                <a14:useLocalDpi xmlns:a14="http://schemas.microsoft.com/office/drawing/2010/main" xmlns="" val="0"/>
               </a:ext>
             </a:extLst>
           </a:blip>
@@ -3488,7 +3513,7 @@
         </p:blipFill>
         <p:spPr bwMode="auto">
           <a:xfrm>
-            <a:off x="6386015" y="2545077"/>
+            <a:off x="2306385" y="3178122"/>
             <a:ext cx="1005638" cy="1191145"/>
           </a:xfrm>
           <a:prstGeom prst="rect">
@@ -3497,7 +3522,7 @@
           <a:noFill/>
           <a:extLst>
             <a:ext uri="{909E8E84-426E-40DD-AFC4-6F175D3DCCD1}">
-              <a14:hiddenFill xmlns:a14="http://schemas.microsoft.com/office/drawing/2010/main">
+              <a14:hiddenFill xmlns:a14="http://schemas.microsoft.com/office/drawing/2010/main" xmlns="">
                 <a:solidFill>
                   <a:srgbClr val="FFFFFF"/>
                 </a:solidFill>
@@ -3511,7 +3536,7 @@
           <p:cNvPr id="4" name="TextBox 3">
             <a:extLst>
               <a:ext uri="{FF2B5EF4-FFF2-40B4-BE49-F238E27FC236}">
-                <a16:creationId xmlns:a16="http://schemas.microsoft.com/office/drawing/2014/main" id="{4F682371-FBAD-1319-273E-24FE661829F8}"/>
+                <a16:creationId xmlns:a16="http://schemas.microsoft.com/office/drawing/2014/main" xmlns="" id="{4F682371-FBAD-1319-273E-24FE661829F8}"/>
               </a:ext>
             </a:extLst>
           </p:cNvPr>
@@ -3520,7 +3545,7 @@
         </p:nvSpPr>
         <p:spPr>
           <a:xfrm>
-            <a:off x="7391653" y="2478931"/>
+            <a:off x="3818459" y="3097908"/>
             <a:ext cx="2012090" cy="1323439"/>
           </a:xfrm>
           <a:prstGeom prst="rect">
@@ -3564,7 +3589,7 @@
           <p:cNvPr id="2" name="Picture 2" descr="Gurudwara Stock Illustrations – 226 Gurudwara Stock Illustrations, Vectors  &amp; Clipart - Dreamstime">
             <a:extLst>
               <a:ext uri="{FF2B5EF4-FFF2-40B4-BE49-F238E27FC236}">
-                <a16:creationId xmlns:a16="http://schemas.microsoft.com/office/drawing/2014/main" id="{B105BCA0-ED7E-B5C3-8ACB-23FFD9C55D9C}"/>
+                <a16:creationId xmlns:a16="http://schemas.microsoft.com/office/drawing/2014/main" xmlns="" id="{B105BCA0-ED7E-B5C3-8ACB-23FFD9C55D9C}"/>
               </a:ext>
             </a:extLst>
           </p:cNvPr>
@@ -3578,7 +3603,7 @@
             <a:alphaModFix/>
             <a:extLst>
               <a:ext uri="{BEBA8EAE-BF5A-486C-A8C5-ECC9F3942E4B}">
-                <a14:imgProps xmlns:a14="http://schemas.microsoft.com/office/drawing/2010/main">
+                <a14:imgProps xmlns:a14="http://schemas.microsoft.com/office/drawing/2010/main" xmlns="">
                   <a14:imgLayer r:embed="rId4">
                     <a14:imgEffect>
                       <a14:sharpenSoften amount="100000"/>
@@ -3596,7 +3621,7 @@
                 </a14:imgProps>
               </a:ext>
               <a:ext uri="{28A0092B-C50C-407E-A947-70E740481C1C}">
-                <a14:useLocalDpi xmlns:a14="http://schemas.microsoft.com/office/drawing/2010/main" val="0"/>
+                <a14:useLocalDpi xmlns:a14="http://schemas.microsoft.com/office/drawing/2010/main" xmlns="" val="0"/>
               </a:ext>
             </a:extLst>
           </a:blip>
@@ -3614,7 +3639,7 @@
           <a:noFill/>
           <a:extLst>
             <a:ext uri="{909E8E84-426E-40DD-AFC4-6F175D3DCCD1}">
-              <a14:hiddenFill xmlns:a14="http://schemas.microsoft.com/office/drawing/2010/main">
+              <a14:hiddenFill xmlns:a14="http://schemas.microsoft.com/office/drawing/2010/main" xmlns="">
                 <a:solidFill>
                   <a:srgbClr val="FFFFFF"/>
                 </a:solidFill>
@@ -3628,7 +3653,7 @@
           <p:cNvPr id="3" name="Rectangle 2">
             <a:extLst>
               <a:ext uri="{FF2B5EF4-FFF2-40B4-BE49-F238E27FC236}">
-                <a16:creationId xmlns:a16="http://schemas.microsoft.com/office/drawing/2014/main" id="{40D0C218-81B6-E0A1-4692-BAC75CBCB6C4}"/>
+                <a16:creationId xmlns:a16="http://schemas.microsoft.com/office/drawing/2014/main" xmlns="" id="{40D0C218-81B6-E0A1-4692-BAC75CBCB6C4}"/>
               </a:ext>
             </a:extLst>
           </p:cNvPr>
@@ -3675,7 +3700,7 @@
           <p:cNvPr id="5" name="TextBox 4">
             <a:extLst>
               <a:ext uri="{FF2B5EF4-FFF2-40B4-BE49-F238E27FC236}">
-                <a16:creationId xmlns:a16="http://schemas.microsoft.com/office/drawing/2014/main" id="{6E2E47A3-168B-A0FA-9912-C6351CFAB6F7}"/>
+                <a16:creationId xmlns:a16="http://schemas.microsoft.com/office/drawing/2014/main" xmlns="" id="{6E2E47A3-168B-A0FA-9912-C6351CFAB6F7}"/>
               </a:ext>
             </a:extLst>
           </p:cNvPr>
@@ -3723,12 +3748,227 @@
           </a:p>
         </p:txBody>
       </p:sp>
+      <p:sp>
+        <p:nvSpPr>
+          <p:cNvPr id="7" name="Rectangle 6">
+            <a:extLst>
+              <a:ext uri="{FF2B5EF4-FFF2-40B4-BE49-F238E27FC236}">
+                <a16:creationId xmlns:a16="http://schemas.microsoft.com/office/drawing/2014/main" xmlns="" id="{40D0C218-81B6-E0A1-4692-BAC75CBCB6C4}"/>
+              </a:ext>
+            </a:extLst>
+          </p:cNvPr>
+          <p:cNvSpPr/>
+          <p:nvPr/>
+        </p:nvSpPr>
+        <p:spPr>
+          <a:xfrm>
+            <a:off x="1870239" y="2933377"/>
+            <a:ext cx="4572000" cy="1613042"/>
+          </a:xfrm>
+          <a:prstGeom prst="rect">
+            <a:avLst/>
+          </a:prstGeom>
+          <a:noFill/>
+        </p:spPr>
+        <p:style>
+          <a:lnRef idx="2">
+            <a:schemeClr val="accent1">
+              <a:shade val="15000"/>
+            </a:schemeClr>
+          </a:lnRef>
+          <a:fillRef idx="1">
+            <a:schemeClr val="accent1"/>
+          </a:fillRef>
+          <a:effectRef idx="0">
+            <a:schemeClr val="accent1"/>
+          </a:effectRef>
+          <a:fontRef idx="minor">
+            <a:schemeClr val="lt1"/>
+          </a:fontRef>
+        </p:style>
+        <p:txBody>
+          <a:bodyPr rtlCol="0" anchor="ctr"/>
+          <a:lstStyle/>
+          <a:p>
+            <a:pPr algn="ctr"/>
+            <a:endParaRPr lang="en-GB"/>
+          </a:p>
+        </p:txBody>
+      </p:sp>
     </p:spTree>
     <p:extLst>
       <p:ext uri="{BB962C8B-B14F-4D97-AF65-F5344CB8AC3E}">
-        <p14:creationId xmlns:p14="http://schemas.microsoft.com/office/powerpoint/2010/main" val="1763828946"/>
+        <p14:creationId xmlns:p14="http://schemas.microsoft.com/office/powerpoint/2010/main" xmlns="" val="1763828946"/>
       </p:ext>
     </p:extLst>
+  </p:cSld>
+  <p:clrMapOvr>
+    <a:masterClrMapping/>
+  </p:clrMapOvr>
+</p:sld>
+</file>
+
+<file path=ppt/slides/slide2.xml><?xml version="1.0" encoding="utf-8"?>
+<p:sld xmlns:a="http://schemas.openxmlformats.org/drawingml/2006/main" xmlns:r="http://schemas.openxmlformats.org/officeDocument/2006/relationships" xmlns:p="http://schemas.openxmlformats.org/presentationml/2006/main">
+  <p:cSld>
+    <p:spTree>
+      <p:nvGrpSpPr>
+        <p:cNvPr id="1" name=""/>
+        <p:cNvGrpSpPr/>
+        <p:nvPr/>
+      </p:nvGrpSpPr>
+      <p:grpSpPr>
+        <a:xfrm>
+          <a:off x="0" y="0"/>
+          <a:ext cx="0" cy="0"/>
+          <a:chOff x="0" y="0"/>
+          <a:chExt cx="0" cy="0"/>
+        </a:xfrm>
+      </p:grpSpPr>
+      <p:pic>
+        <p:nvPicPr>
+          <p:cNvPr id="1026" name="Picture 2" descr="C:\Users\Hp\Desktop\SikhsinUAE\pictures\EK ONKAR Golden.png"/>
+          <p:cNvPicPr>
+            <a:picLocks noChangeAspect="1" noChangeArrowheads="1"/>
+          </p:cNvPicPr>
+          <p:nvPr/>
+        </p:nvPicPr>
+        <p:blipFill>
+          <a:blip r:embed="rId2"/>
+          <a:srcRect/>
+          <a:stretch>
+            <a:fillRect/>
+          </a:stretch>
+        </p:blipFill>
+        <p:spPr bwMode="auto">
+          <a:xfrm>
+            <a:off x="0" y="1167033"/>
+            <a:ext cx="4000500" cy="2667000"/>
+          </a:xfrm>
+          <a:prstGeom prst="rect">
+            <a:avLst/>
+          </a:prstGeom>
+          <a:noFill/>
+        </p:spPr>
+      </p:pic>
+      <p:sp>
+        <p:nvSpPr>
+          <p:cNvPr id="5" name="TextBox 4"/>
+          <p:cNvSpPr txBox="1"/>
+          <p:nvPr/>
+        </p:nvSpPr>
+        <p:spPr>
+          <a:xfrm>
+            <a:off x="3497295" y="1378634"/>
+            <a:ext cx="8109912" cy="2015936"/>
+          </a:xfrm>
+          <a:prstGeom prst="rect">
+            <a:avLst/>
+          </a:prstGeom>
+          <a:noFill/>
+        </p:spPr>
+        <p:txBody>
+          <a:bodyPr wrap="none" rtlCol="0">
+            <a:spAutoFit/>
+          </a:bodyPr>
+          <a:lstStyle/>
+          <a:p>
+            <a:r>
+              <a:rPr lang="en-IN" sz="12500" b="1" dirty="0" smtClean="0">
+                <a:solidFill>
+                  <a:srgbClr val="CC6600"/>
+                </a:solidFill>
+              </a:rPr>
+              <a:t>IK ONKAR</a:t>
+            </a:r>
+            <a:endParaRPr lang="en-US" sz="12500" b="1" dirty="0">
+              <a:solidFill>
+                <a:srgbClr val="CC6600"/>
+              </a:solidFill>
+            </a:endParaRPr>
+          </a:p>
+        </p:txBody>
+      </p:sp>
+      <p:sp>
+        <p:nvSpPr>
+          <p:cNvPr id="6" name="Rectangle 5"/>
+          <p:cNvSpPr/>
+          <p:nvPr/>
+        </p:nvSpPr>
+        <p:spPr>
+          <a:xfrm>
+            <a:off x="787791" y="1280159"/>
+            <a:ext cx="11000935" cy="3137095"/>
+          </a:xfrm>
+          <a:prstGeom prst="rect">
+            <a:avLst/>
+          </a:prstGeom>
+          <a:noFill/>
+        </p:spPr>
+        <p:style>
+          <a:lnRef idx="2">
+            <a:schemeClr val="accent1">
+              <a:shade val="50000"/>
+            </a:schemeClr>
+          </a:lnRef>
+          <a:fillRef idx="1">
+            <a:schemeClr val="accent1"/>
+          </a:fillRef>
+          <a:effectRef idx="0">
+            <a:schemeClr val="accent1"/>
+          </a:effectRef>
+          <a:fontRef idx="minor">
+            <a:schemeClr val="lt1"/>
+          </a:fontRef>
+        </p:style>
+        <p:txBody>
+          <a:bodyPr rtlCol="0" anchor="ctr"/>
+          <a:lstStyle/>
+          <a:p>
+            <a:pPr algn="ctr"/>
+            <a:endParaRPr lang="en-US"/>
+          </a:p>
+        </p:txBody>
+      </p:sp>
+      <p:sp>
+        <p:nvSpPr>
+          <p:cNvPr id="7" name="Rectangle 6"/>
+          <p:cNvSpPr/>
+          <p:nvPr/>
+        </p:nvSpPr>
+        <p:spPr>
+          <a:xfrm>
+            <a:off x="858130" y="3258400"/>
+            <a:ext cx="10775852" cy="1015663"/>
+          </a:xfrm>
+          <a:prstGeom prst="rect">
+            <a:avLst/>
+          </a:prstGeom>
+        </p:spPr>
+        <p:txBody>
+          <a:bodyPr wrap="square">
+            <a:spAutoFit/>
+          </a:bodyPr>
+          <a:lstStyle/>
+          <a:p>
+            <a:pPr algn="ctr"/>
+            <a:r>
+              <a:rPr lang="en-US" sz="6000" b="1" dirty="0" smtClean="0">
+                <a:solidFill>
+                  <a:schemeClr val="bg1"/>
+                </a:solidFill>
+              </a:rPr>
+              <a:t>There is only one God</a:t>
+            </a:r>
+            <a:endParaRPr lang="en-US" sz="6000" b="1" dirty="0">
+              <a:solidFill>
+                <a:schemeClr val="bg1"/>
+              </a:solidFill>
+            </a:endParaRPr>
+          </a:p>
+        </p:txBody>
+      </p:sp>
+    </p:spTree>
   </p:cSld>
   <p:clrMapOvr>
     <a:masterClrMapping/>
@@ -3779,7 +4019,7 @@
     </a:clrScheme>
     <a:fontScheme name="Office">
       <a:majorFont>
-        <a:latin typeface="Aptos Display" panose="02110004020202020204"/>
+        <a:latin typeface="Aptos Display"/>
         <a:ea typeface=""/>
         <a:cs typeface=""/>
         <a:font script="Jpan" typeface="游ゴシック Light"/>
@@ -3831,7 +4071,7 @@
         <a:font script="Tfng" typeface="Ebrima"/>
       </a:majorFont>
       <a:minorFont>
-        <a:latin typeface="Aptos" panose="02110004020202020204"/>
+        <a:latin typeface="Aptos"/>
         <a:ea typeface=""/>
         <a:cs typeface=""/>
         <a:font script="Jpan" typeface="游ゴシック"/>
@@ -4045,7 +4285,7 @@
   <a:extraClrSchemeLst/>
   <a:extLst>
     <a:ext uri="{05A4C25C-085E-4340-85A3-A5531E510DB2}">
-      <thm15:themeFamily xmlns:thm15="http://schemas.microsoft.com/office/thememl/2012/main" name="Office Theme" id="{2E142A2C-CD16-42D6-873A-C26D2A0506FA}" vid="{1BDDFF52-6CD6-40A5-AB3C-68EB2F1E4D0A}"/>
+      <thm15:themeFamily xmlns:thm15="http://schemas.microsoft.com/office/thememl/2012/main" xmlns="" name="Office Theme" id="{2E142A2C-CD16-42D6-873A-C26D2A0506FA}" vid="{1BDDFF52-6CD6-40A5-AB3C-68EB2F1E4D0A}"/>
     </a:ext>
   </a:extLst>
 </a:theme>
